--- a/.slides/topics/10_regression.pptx
+++ b/.slides/topics/10_regression.pptx
@@ -18,6 +18,7 @@
     <p:sldId id="266" r:id="rId12"/>
     <p:sldId id="267" r:id="rId13"/>
     <p:sldId id="268" r:id="rId14"/>
+    <p:sldId id="271" r:id="rId15"/>
   </p:sldIdLst>
   <p:sldSz cx="12192000" cy="6858000"/>
   <p:notesSz cx="6858000" cy="9144000"/>
@@ -3483,6 +3484,53 @@
           </a:p>
         </p:txBody>
       </p:sp>
+      <p:pic>
+        <p:nvPicPr>
+          <p:cNvPr id="1026" name="Picture 2">
+            <a:extLst>
+              <a:ext uri="{FF2B5EF4-FFF2-40B4-BE49-F238E27FC236}">
+                <a16:creationId xmlns:a16="http://schemas.microsoft.com/office/drawing/2014/main" id="{301E573B-AA91-1DDF-AA4D-024FFD8D81CB}"/>
+              </a:ext>
+            </a:extLst>
+          </p:cNvPr>
+          <p:cNvPicPr>
+            <a:picLocks noChangeAspect="1" noChangeArrowheads="1"/>
+          </p:cNvPicPr>
+          <p:nvPr/>
+        </p:nvPicPr>
+        <p:blipFill>
+          <a:blip r:embed="rId3">
+            <a:extLst>
+              <a:ext uri="{28A0092B-C50C-407E-A947-70E740481C1C}">
+                <a14:useLocalDpi xmlns:a14="http://schemas.microsoft.com/office/drawing/2010/main" val="0"/>
+              </a:ext>
+            </a:extLst>
+          </a:blip>
+          <a:srcRect/>
+          <a:stretch>
+            <a:fillRect/>
+          </a:stretch>
+        </p:blipFill>
+        <p:spPr bwMode="auto">
+          <a:xfrm>
+            <a:off x="8425454" y="388189"/>
+            <a:ext cx="3240000" cy="2429157"/>
+          </a:xfrm>
+          <a:prstGeom prst="rect">
+            <a:avLst/>
+          </a:prstGeom>
+          <a:noFill/>
+          <a:extLst>
+            <a:ext uri="{909E8E84-426E-40DD-AFC4-6F175D3DCCD1}">
+              <a14:hiddenFill xmlns:a14="http://schemas.microsoft.com/office/drawing/2010/main">
+                <a:solidFill>
+                  <a:srgbClr val="FFFFFF"/>
+                </a:solidFill>
+              </a14:hiddenFill>
+            </a:ext>
+          </a:extLst>
+        </p:spPr>
+      </p:pic>
     </p:spTree>
   </p:cSld>
   <p:clrMapOvr>
@@ -3584,6 +3632,53 @@
           </a:p>
         </p:txBody>
       </p:sp>
+      <p:pic>
+        <p:nvPicPr>
+          <p:cNvPr id="4098" name="Picture 2">
+            <a:extLst>
+              <a:ext uri="{FF2B5EF4-FFF2-40B4-BE49-F238E27FC236}">
+                <a16:creationId xmlns:a16="http://schemas.microsoft.com/office/drawing/2014/main" id="{7E16C5C7-6249-462D-7C9C-C79EBB763B4E}"/>
+              </a:ext>
+            </a:extLst>
+          </p:cNvPr>
+          <p:cNvPicPr>
+            <a:picLocks noChangeAspect="1" noChangeArrowheads="1"/>
+          </p:cNvPicPr>
+          <p:nvPr/>
+        </p:nvPicPr>
+        <p:blipFill>
+          <a:blip r:embed="rId2">
+            <a:extLst>
+              <a:ext uri="{28A0092B-C50C-407E-A947-70E740481C1C}">
+                <a14:useLocalDpi xmlns:a14="http://schemas.microsoft.com/office/drawing/2010/main" val="0"/>
+              </a:ext>
+            </a:extLst>
+          </a:blip>
+          <a:srcRect/>
+          <a:stretch>
+            <a:fillRect/>
+          </a:stretch>
+        </p:blipFill>
+        <p:spPr bwMode="auto">
+          <a:xfrm>
+            <a:off x="3907959" y="3850105"/>
+            <a:ext cx="4376081" cy="2803658"/>
+          </a:xfrm>
+          <a:prstGeom prst="rect">
+            <a:avLst/>
+          </a:prstGeom>
+          <a:noFill/>
+          <a:extLst>
+            <a:ext uri="{909E8E84-426E-40DD-AFC4-6F175D3DCCD1}">
+              <a14:hiddenFill xmlns:a14="http://schemas.microsoft.com/office/drawing/2010/main">
+                <a:solidFill>
+                  <a:srgbClr val="FFFFFF"/>
+                </a:solidFill>
+              </a14:hiddenFill>
+            </a:ext>
+          </a:extLst>
+        </p:spPr>
+      </p:pic>
     </p:spTree>
   </p:cSld>
   <p:clrMapOvr>
@@ -3685,6 +3780,36 @@
           </a:p>
         </p:txBody>
       </p:sp>
+      <p:pic>
+        <p:nvPicPr>
+          <p:cNvPr id="5" name="Picture 4">
+            <a:extLst>
+              <a:ext uri="{FF2B5EF4-FFF2-40B4-BE49-F238E27FC236}">
+                <a16:creationId xmlns:a16="http://schemas.microsoft.com/office/drawing/2014/main" id="{526A79CC-D20E-A6B2-A75E-46AEB7591B88}"/>
+              </a:ext>
+            </a:extLst>
+          </p:cNvPr>
+          <p:cNvPicPr>
+            <a:picLocks noChangeAspect="1"/>
+          </p:cNvPicPr>
+          <p:nvPr/>
+        </p:nvPicPr>
+        <p:blipFill>
+          <a:blip r:embed="rId2"/>
+          <a:stretch>
+            <a:fillRect/>
+          </a:stretch>
+        </p:blipFill>
+        <p:spPr>
+          <a:xfrm>
+            <a:off x="2537449" y="3862065"/>
+            <a:ext cx="6115663" cy="2736844"/>
+          </a:xfrm>
+          <a:prstGeom prst="rect">
+            <a:avLst/>
+          </a:prstGeom>
+        </p:spPr>
+      </p:pic>
     </p:spTree>
   </p:cSld>
   <p:clrMapOvr>
@@ -3895,6 +4020,97 @@
 </p:sld>
 </file>
 
+<file path=ppt/slides/slide14.xml><?xml version="1.0" encoding="utf-8"?>
+<p:sld xmlns:a="http://schemas.openxmlformats.org/drawingml/2006/main" xmlns:r="http://schemas.openxmlformats.org/officeDocument/2006/relationships" xmlns:p="http://schemas.openxmlformats.org/presentationml/2006/main">
+  <p:cSld>
+    <p:spTree>
+      <p:nvGrpSpPr>
+        <p:cNvPr id="1" name=""/>
+        <p:cNvGrpSpPr/>
+        <p:nvPr/>
+      </p:nvGrpSpPr>
+      <p:grpSpPr>
+        <a:xfrm>
+          <a:off x="0" y="0"/>
+          <a:ext cx="0" cy="0"/>
+          <a:chOff x="0" y="0"/>
+          <a:chExt cx="0" cy="0"/>
+        </a:xfrm>
+      </p:grpSpPr>
+      <p:sp>
+        <p:nvSpPr>
+          <p:cNvPr id="2" name="Title 1">
+            <a:extLst>
+              <a:ext uri="{FF2B5EF4-FFF2-40B4-BE49-F238E27FC236}">
+                <a16:creationId xmlns:a16="http://schemas.microsoft.com/office/drawing/2014/main" id="{8525C2D7-E417-70EE-D336-6C2729628304}"/>
+              </a:ext>
+            </a:extLst>
+          </p:cNvPr>
+          <p:cNvSpPr>
+            <a:spLocks noGrp="1"/>
+          </p:cNvSpPr>
+          <p:nvPr>
+            <p:ph type="title"/>
+          </p:nvPr>
+        </p:nvSpPr>
+        <p:spPr/>
+        <p:txBody>
+          <a:bodyPr/>
+          <a:lstStyle/>
+          <a:p>
+            <a:pPr marL="0" lvl="0" indent="0">
+              <a:buNone/>
+            </a:pPr>
+            <a:r>
+              <a:t>Practice Exercises</a:t>
+            </a:r>
+          </a:p>
+        </p:txBody>
+      </p:sp>
+      <p:pic>
+        <p:nvPicPr>
+          <p:cNvPr id="6" name="Picture 5" descr="A cat sitting on a computer&#10;&#10;AI-generated content may be incorrect.">
+            <a:extLst>
+              <a:ext uri="{FF2B5EF4-FFF2-40B4-BE49-F238E27FC236}">
+                <a16:creationId xmlns:a16="http://schemas.microsoft.com/office/drawing/2014/main" id="{D2E0F507-A649-BEC3-934D-D62F9A7982A2}"/>
+              </a:ext>
+            </a:extLst>
+          </p:cNvPr>
+          <p:cNvPicPr>
+            <a:picLocks noChangeAspect="1"/>
+          </p:cNvPicPr>
+          <p:nvPr/>
+        </p:nvPicPr>
+        <p:blipFill>
+          <a:blip r:embed="rId2">
+            <a:extLst>
+              <a:ext uri="{28A0092B-C50C-407E-A947-70E740481C1C}">
+                <a14:useLocalDpi xmlns:a14="http://schemas.microsoft.com/office/drawing/2010/main" val="0"/>
+              </a:ext>
+            </a:extLst>
+          </a:blip>
+          <a:stretch>
+            <a:fillRect/>
+          </a:stretch>
+        </p:blipFill>
+        <p:spPr>
+          <a:xfrm>
+            <a:off x="2154453" y="1417320"/>
+            <a:ext cx="7883093" cy="5255395"/>
+          </a:xfrm>
+          <a:prstGeom prst="rect">
+            <a:avLst/>
+          </a:prstGeom>
+        </p:spPr>
+      </p:pic>
+    </p:spTree>
+  </p:cSld>
+  <p:clrMapOvr>
+    <a:masterClrMapping/>
+  </p:clrMapOvr>
+</p:sld>
+</file>
+
 <file path=ppt/slides/slide2.xml><?xml version="1.0" encoding="utf-8"?>
 <p:sld xmlns:a="http://schemas.openxmlformats.org/drawingml/2006/main" xmlns:r="http://schemas.openxmlformats.org/officeDocument/2006/relationships" xmlns:p="http://schemas.openxmlformats.org/presentationml/2006/main">
   <p:cSld>
@@ -4291,6 +4507,36 @@
           </a:p>
         </p:txBody>
       </p:sp>
+      <p:pic>
+        <p:nvPicPr>
+          <p:cNvPr id="5" name="Picture 4">
+            <a:extLst>
+              <a:ext uri="{FF2B5EF4-FFF2-40B4-BE49-F238E27FC236}">
+                <a16:creationId xmlns:a16="http://schemas.microsoft.com/office/drawing/2014/main" id="{49DEB9F7-10D4-7368-F635-1A0F5B5D07EA}"/>
+              </a:ext>
+            </a:extLst>
+          </p:cNvPr>
+          <p:cNvPicPr>
+            <a:picLocks noChangeAspect="1"/>
+          </p:cNvPicPr>
+          <p:nvPr/>
+        </p:nvPicPr>
+        <p:blipFill>
+          <a:blip r:embed="rId2"/>
+          <a:stretch>
+            <a:fillRect/>
+          </a:stretch>
+        </p:blipFill>
+        <p:spPr>
+          <a:xfrm>
+            <a:off x="3954613" y="4378324"/>
+            <a:ext cx="2670474" cy="557832"/>
+          </a:xfrm>
+          <a:prstGeom prst="rect">
+            <a:avLst/>
+          </a:prstGeom>
+        </p:spPr>
+      </p:pic>
     </p:spTree>
   </p:cSld>
   <p:clrMapOvr>
@@ -4369,24 +4615,28 @@
           <a:p>
             <a:pPr lvl="0"/>
             <a:r>
+              <a:rPr dirty="0"/>
               <a:t>Linear relationship between variables</a:t>
             </a:r>
           </a:p>
           <a:p>
             <a:pPr lvl="0"/>
             <a:r>
+              <a:rPr dirty="0"/>
               <a:t>Numeric continuous data for dependent variable</a:t>
             </a:r>
           </a:p>
           <a:p>
             <a:pPr lvl="0"/>
             <a:r>
+              <a:rPr dirty="0"/>
               <a:t>Independence of observations</a:t>
             </a:r>
           </a:p>
           <a:p>
             <a:pPr lvl="0"/>
             <a:r>
+              <a:rPr dirty="0"/>
               <a:t>Gaussian distribution of residuals (not raw data!)</a:t>
             </a:r>
           </a:p>
@@ -4463,36 +4713,92 @@
             <p:ph idx="1"/>
           </p:nvPr>
         </p:nvSpPr>
-        <p:spPr/>
-        <p:txBody>
-          <a:bodyPr/>
-          <a:lstStyle/>
-          <a:p>
-            <a:pPr lvl="0"/>
-            <a:r>
+        <p:spPr>
+          <a:xfrm>
+            <a:off x="838201" y="1825625"/>
+            <a:ext cx="5524902" cy="4351338"/>
+          </a:xfrm>
+        </p:spPr>
+        <p:txBody>
+          <a:bodyPr/>
+          <a:lstStyle/>
+          <a:p>
+            <a:pPr lvl="0"/>
+            <a:r>
+              <a:rPr dirty="0"/>
               <a:t>Scatterplot with dependent variable on y-axis</a:t>
             </a:r>
           </a:p>
           <a:p>
             <a:pPr lvl="0"/>
             <a:r>
+              <a:rPr dirty="0"/>
               <a:t>Predictor variable on x-axis</a:t>
             </a:r>
           </a:p>
           <a:p>
             <a:pPr lvl="0"/>
             <a:r>
+              <a:rPr dirty="0"/>
               <a:t>Regression line shows line of best fit</a:t>
             </a:r>
           </a:p>
           <a:p>
             <a:pPr lvl="0"/>
             <a:r>
+              <a:rPr dirty="0"/>
               <a:t>Line used for prediction of y given x values</a:t>
             </a:r>
           </a:p>
         </p:txBody>
       </p:sp>
+      <p:pic>
+        <p:nvPicPr>
+          <p:cNvPr id="2050" name="Picture 2">
+            <a:extLst>
+              <a:ext uri="{FF2B5EF4-FFF2-40B4-BE49-F238E27FC236}">
+                <a16:creationId xmlns:a16="http://schemas.microsoft.com/office/drawing/2014/main" id="{93ABBE90-12EC-53B3-6E7A-906392572D50}"/>
+              </a:ext>
+            </a:extLst>
+          </p:cNvPr>
+          <p:cNvPicPr>
+            <a:picLocks noChangeAspect="1" noChangeArrowheads="1"/>
+          </p:cNvPicPr>
+          <p:nvPr/>
+        </p:nvPicPr>
+        <p:blipFill>
+          <a:blip r:embed="rId2">
+            <a:extLst>
+              <a:ext uri="{28A0092B-C50C-407E-A947-70E740481C1C}">
+                <a14:useLocalDpi xmlns:a14="http://schemas.microsoft.com/office/drawing/2010/main" val="0"/>
+              </a:ext>
+            </a:extLst>
+          </a:blip>
+          <a:srcRect/>
+          <a:stretch>
+            <a:fillRect/>
+          </a:stretch>
+        </p:blipFill>
+        <p:spPr bwMode="auto">
+          <a:xfrm>
+            <a:off x="6440105" y="1690688"/>
+            <a:ext cx="5524901" cy="3946358"/>
+          </a:xfrm>
+          <a:prstGeom prst="rect">
+            <a:avLst/>
+          </a:prstGeom>
+          <a:noFill/>
+          <a:extLst>
+            <a:ext uri="{909E8E84-426E-40DD-AFC4-6F175D3DCCD1}">
+              <a14:hiddenFill xmlns:a14="http://schemas.microsoft.com/office/drawing/2010/main">
+                <a:solidFill>
+                  <a:srgbClr val="FFFFFF"/>
+                </a:solidFill>
+              </a14:hiddenFill>
+            </a:ext>
+          </a:extLst>
+        </p:spPr>
+      </p:pic>
     </p:spTree>
   </p:cSld>
   <p:clrMapOvr>
@@ -4695,6 +5001,53 @@
           </a:p>
         </p:txBody>
       </p:sp>
+      <p:pic>
+        <p:nvPicPr>
+          <p:cNvPr id="3074" name="Picture 2">
+            <a:extLst>
+              <a:ext uri="{FF2B5EF4-FFF2-40B4-BE49-F238E27FC236}">
+                <a16:creationId xmlns:a16="http://schemas.microsoft.com/office/drawing/2014/main" id="{EB37B1CB-26C8-DA3E-C26A-9261C3D20DE3}"/>
+              </a:ext>
+            </a:extLst>
+          </p:cNvPr>
+          <p:cNvPicPr>
+            <a:picLocks noChangeAspect="1" noChangeArrowheads="1"/>
+          </p:cNvPicPr>
+          <p:nvPr/>
+        </p:nvPicPr>
+        <p:blipFill>
+          <a:blip r:embed="rId2">
+            <a:extLst>
+              <a:ext uri="{28A0092B-C50C-407E-A947-70E740481C1C}">
+                <a14:useLocalDpi xmlns:a14="http://schemas.microsoft.com/office/drawing/2010/main" val="0"/>
+              </a:ext>
+            </a:extLst>
+          </a:blip>
+          <a:srcRect/>
+          <a:stretch>
+            <a:fillRect/>
+          </a:stretch>
+        </p:blipFill>
+        <p:spPr bwMode="auto">
+          <a:xfrm>
+            <a:off x="4148408" y="3918116"/>
+            <a:ext cx="3895183" cy="2782274"/>
+          </a:xfrm>
+          <a:prstGeom prst="rect">
+            <a:avLst/>
+          </a:prstGeom>
+          <a:noFill/>
+          <a:extLst>
+            <a:ext uri="{909E8E84-426E-40DD-AFC4-6F175D3DCCD1}">
+              <a14:hiddenFill xmlns:a14="http://schemas.microsoft.com/office/drawing/2010/main">
+                <a:solidFill>
+                  <a:srgbClr val="FFFFFF"/>
+                </a:solidFill>
+              </a14:hiddenFill>
+            </a:ext>
+          </a:extLst>
+        </p:spPr>
+      </p:pic>
     </p:spTree>
   </p:cSld>
   <p:clrMapOvr>
